--- a/resources/2nd Session/08 Wrap-up/wrap-up.pptx
+++ b/resources/2nd Session/08 Wrap-up/wrap-up.pptx
@@ -3573,7 +3573,7 @@
           <a:p>
             <a:fld id="{1107A838-5E35-0B42-BF57-04B4EE3279D5}" type="datetimeFigureOut">
               <a:rPr lang="en-GB" smtClean="0"/>
-              <a:t>13/09/2024</a:t>
+              <a:t>19/09/2024</a:t>
             </a:fld>
             <a:endParaRPr lang="en-GB"/>
           </a:p>
@@ -4148,7 +4148,7 @@
             </a:pPr>
             <a:fld id="{34ADA4AF-7D90-4E7A-A066-97EF35532DD9}" type="datetime1">
               <a:rPr lang="it-IT"/>
-              <a:t>13/09/24</a:t>
+              <a:t>19/09/24</a:t>
             </a:fld>
             <a:endParaRPr lang="it-IT"/>
           </a:p>
@@ -4343,7 +4343,7 @@
             </a:pPr>
             <a:fld id="{CA565CA9-5D5E-4D5E-A470-BF3604A48A0C}" type="datetime1">
               <a:rPr lang="it-IT"/>
-              <a:t>13/09/24</a:t>
+              <a:t>19/09/24</a:t>
             </a:fld>
             <a:endParaRPr lang="it-IT"/>
           </a:p>
@@ -4548,7 +4548,7 @@
             </a:pPr>
             <a:fld id="{169CA6D6-56EF-49B4-9E9C-935F93E7E1FB}" type="datetime1">
               <a:rPr lang="it-IT"/>
-              <a:t>13/09/24</a:t>
+              <a:t>19/09/24</a:t>
             </a:fld>
             <a:endParaRPr lang="it-IT"/>
           </a:p>
@@ -4754,7 +4754,7 @@
             </a:pPr>
             <a:fld id="{F1A5501B-D190-4E44-BAFA-E2D5C68A4B9A}" type="datetime1">
               <a:rPr lang="it-IT"/>
-              <a:t>13/09/24</a:t>
+              <a:t>19/09/24</a:t>
             </a:fld>
             <a:endParaRPr lang="it-IT"/>
           </a:p>
@@ -4949,7 +4949,7 @@
             </a:pPr>
             <a:fld id="{C25C0A52-B09F-4C05-A725-B50680DED393}" type="datetime1">
               <a:rPr lang="it-IT"/>
-              <a:t>13/09/24</a:t>
+              <a:t>19/09/24</a:t>
             </a:fld>
             <a:endParaRPr lang="it-IT"/>
           </a:p>
@@ -5209,7 +5209,7 @@
             </a:pPr>
             <a:fld id="{24618764-9CEC-4BEB-91DE-43314AEEE8E0}" type="datetime1">
               <a:rPr lang="it-IT"/>
-              <a:t>13/09/24</a:t>
+              <a:t>19/09/24</a:t>
             </a:fld>
             <a:endParaRPr lang="it-IT"/>
           </a:p>
@@ -5480,7 +5480,7 @@
             </a:pPr>
             <a:fld id="{2C2B61E2-01F5-453A-8700-08613B83A386}" type="datetime1">
               <a:rPr lang="it-IT"/>
-              <a:t>13/09/24</a:t>
+              <a:t>19/09/24</a:t>
             </a:fld>
             <a:endParaRPr lang="it-IT"/>
           </a:p>
@@ -5892,7 +5892,7 @@
             </a:pPr>
             <a:fld id="{2E0CA275-03E7-43E9-B882-408CB45ADD87}" type="datetime1">
               <a:rPr lang="it-IT"/>
-              <a:t>13/09/24</a:t>
+              <a:t>19/09/24</a:t>
             </a:fld>
             <a:endParaRPr lang="it-IT"/>
           </a:p>
@@ -6021,7 +6021,7 @@
             </a:pPr>
             <a:fld id="{87303CD2-E35A-4586-83D7-A5FCD1F408A7}" type="datetime1">
               <a:rPr lang="it-IT"/>
-              <a:t>13/09/24</a:t>
+              <a:t>19/09/24</a:t>
             </a:fld>
             <a:endParaRPr lang="it-IT"/>
           </a:p>
@@ -6124,7 +6124,7 @@
             </a:pPr>
             <a:fld id="{34504A25-A789-4DA6-ABEC-FBC7E834F568}" type="datetime1">
               <a:rPr lang="it-IT"/>
-              <a:t>13/09/24</a:t>
+              <a:t>19/09/24</a:t>
             </a:fld>
             <a:endParaRPr lang="it-IT"/>
           </a:p>
@@ -6429,7 +6429,7 @@
             </a:pPr>
             <a:fld id="{64FBE881-64E9-4E6F-9CA3-5B770129C485}" type="datetime1">
               <a:rPr lang="it-IT"/>
-              <a:t>13/09/24</a:t>
+              <a:t>19/09/24</a:t>
             </a:fld>
             <a:endParaRPr lang="it-IT"/>
           </a:p>
@@ -6624,7 +6624,7 @@
             </a:pPr>
             <a:fld id="{665737A0-E424-4442-B2DE-788DA061E23E}" type="datetime1">
               <a:rPr lang="it-IT"/>
-              <a:t>13/09/24</a:t>
+              <a:t>19/09/24</a:t>
             </a:fld>
             <a:endParaRPr lang="it-IT"/>
           </a:p>
@@ -6898,7 +6898,7 @@
             </a:pPr>
             <a:fld id="{263D14AE-B5C1-4262-85AD-4BE1C9852F43}" type="datetime1">
               <a:rPr lang="it-IT"/>
-              <a:t>13/09/24</a:t>
+              <a:t>19/09/24</a:t>
             </a:fld>
             <a:endParaRPr lang="it-IT"/>
           </a:p>
@@ -7093,7 +7093,7 @@
             </a:pPr>
             <a:fld id="{9A9A7105-2218-423B-B533-DB90F52ABB90}" type="datetime1">
               <a:rPr lang="it-IT"/>
-              <a:t>13/09/24</a:t>
+              <a:t>19/09/24</a:t>
             </a:fld>
             <a:endParaRPr lang="it-IT"/>
           </a:p>
@@ -7298,7 +7298,7 @@
             </a:pPr>
             <a:fld id="{128AF7E1-EBEC-4685-990F-DDEC650DE50D}" type="datetime1">
               <a:rPr lang="it-IT"/>
-              <a:t>13/09/24</a:t>
+              <a:t>19/09/24</a:t>
             </a:fld>
             <a:endParaRPr lang="it-IT"/>
           </a:p>
@@ -7558,7 +7558,7 @@
             </a:pPr>
             <a:fld id="{159D9570-D2E4-45E4-B0A5-581C7E2F773E}" type="datetime1">
               <a:rPr lang="it-IT"/>
-              <a:t>13/09/24</a:t>
+              <a:t>19/09/24</a:t>
             </a:fld>
             <a:endParaRPr lang="it-IT"/>
           </a:p>
@@ -7829,7 +7829,7 @@
             </a:pPr>
             <a:fld id="{92C3C478-39EF-4188-B521-EE0397B7B097}" type="datetime1">
               <a:rPr lang="it-IT"/>
-              <a:t>13/09/24</a:t>
+              <a:t>19/09/24</a:t>
             </a:fld>
             <a:endParaRPr lang="it-IT"/>
           </a:p>
@@ -8241,7 +8241,7 @@
             </a:pPr>
             <a:fld id="{559DB41E-F8EA-4424-851B-C9388984F801}" type="datetime1">
               <a:rPr lang="it-IT"/>
-              <a:t>13/09/24</a:t>
+              <a:t>19/09/24</a:t>
             </a:fld>
             <a:endParaRPr lang="it-IT"/>
           </a:p>
@@ -8370,7 +8370,7 @@
             </a:pPr>
             <a:fld id="{C851871F-7873-4E99-ADA7-85E81CDAF5EF}" type="datetime1">
               <a:rPr lang="it-IT"/>
-              <a:t>13/09/24</a:t>
+              <a:t>19/09/24</a:t>
             </a:fld>
             <a:endParaRPr lang="it-IT"/>
           </a:p>
@@ -8473,7 +8473,7 @@
             </a:pPr>
             <a:fld id="{FC32A0A6-9972-4F4D-9DF7-709AC43A63CA}" type="datetime1">
               <a:rPr lang="it-IT"/>
-              <a:t>13/09/24</a:t>
+              <a:t>19/09/24</a:t>
             </a:fld>
             <a:endParaRPr lang="it-IT"/>
           </a:p>
@@ -8778,7 +8778,7 @@
             </a:pPr>
             <a:fld id="{6E3986E6-2E96-419C-86B0-9797F63EC2F5}" type="datetime1">
               <a:rPr lang="it-IT"/>
-              <a:t>13/09/24</a:t>
+              <a:t>19/09/24</a:t>
             </a:fld>
             <a:endParaRPr lang="it-IT"/>
           </a:p>
@@ -9052,7 +9052,7 @@
             </a:pPr>
             <a:fld id="{90639692-C8A1-4A6B-B0B7-0F3061B13436}" type="datetime1">
               <a:rPr lang="it-IT"/>
-              <a:t>13/09/24</a:t>
+              <a:t>19/09/24</a:t>
             </a:fld>
             <a:endParaRPr lang="it-IT"/>
           </a:p>
@@ -9296,7 +9296,7 @@
             </a:pPr>
             <a:fld id="{B7DA38E2-D3B9-4616-B0C5-916D81E3ABB0}" type="datetime1">
               <a:rPr lang="it-IT"/>
-              <a:t>13/09/24</a:t>
+              <a:t>19/09/24</a:t>
             </a:fld>
             <a:endParaRPr lang="it-IT"/>
           </a:p>
@@ -9868,7 +9868,7 @@
             </a:pPr>
             <a:fld id="{EE8D34C2-EF52-490E-A75B-325B9F6463E2}" type="datetime1">
               <a:rPr lang="it-IT"/>
-              <a:t>13/09/24</a:t>
+              <a:t>19/09/24</a:t>
             </a:fld>
             <a:endParaRPr lang="it-IT"/>
           </a:p>
@@ -17749,21 +17749,6 @@
               <a:t>Let us co-create and make a new, improved, version of the FAIR-by-Design materials together</a:t>
             </a:r>
           </a:p>
-          <a:p>
-            <a:r>
-              <a:rPr lang="en-GB" sz="2200" dirty="0">
-                <a:hlinkClick r:id="rId2"/>
-              </a:rPr>
-              <a:t>https://ec.europa.eu/eusurvey/runner/FAIR-by-Design_Open_Survey</a:t>
-            </a:r>
-            <a:r>
-              <a:rPr lang="en-GB" sz="2200" dirty="0"/>
-              <a:t> </a:t>
-            </a:r>
-          </a:p>
-          <a:p>
-            <a:endParaRPr lang="en-GB" sz="2200" dirty="0"/>
-          </a:p>
         </p:txBody>
       </p:sp>
       <p:pic>
@@ -17781,7 +17766,7 @@
           <p:nvPr/>
         </p:nvPicPr>
         <p:blipFill rotWithShape="1">
-          <a:blip r:embed="rId3"/>
+          <a:blip r:embed="rId2"/>
           <a:srcRect l="20431" r="12616" b="-1"/>
           <a:stretch/>
         </p:blipFill>
